--- a/DSP/Ditte-Powerpoints/dspExamQ2.pptx
+++ b/DSP/Ditte-Powerpoints/dspExamQ2.pptx
@@ -15,7 +15,7 @@
     <p:sldId id="259" r:id="rId6"/>
     <p:sldId id="261" r:id="rId7"/>
     <p:sldId id="262" r:id="rId8"/>
-    <p:sldId id="263" r:id="rId9"/>
+    <p:sldId id="269" r:id="rId9"/>
     <p:sldId id="268" r:id="rId10"/>
     <p:sldId id="265" r:id="rId11"/>
     <p:sldId id="264" r:id="rId12"/>
@@ -129,13 +129,129 @@
 <file path=ppt/revisionInfo.xml><?xml version="1.0" encoding="utf-8"?>
 <p1510:revInfo xmlns:a="http://schemas.openxmlformats.org/drawingml/2006/main" xmlns:r="http://schemas.openxmlformats.org/officeDocument/2006/relationships" xmlns:p1510="http://schemas.microsoft.com/office/powerpoint/2015/10/main">
   <p1510:revLst>
-    <p1510:client id="{1860B711-B131-447A-9C00-1C62746EE035}" v="7" dt="2024-12-27T09:15:33.068"/>
+    <p1510:client id="{CFB5E454-7030-4B6E-9C57-BB9063FA31C0}" v="4" dt="2025-01-15T14:25:03.608"/>
   </p1510:revLst>
 </p1510:revInfo>
 </file>
 
 <file path=ppt/changesInfos/changesInfo1.xml><?xml version="1.0" encoding="utf-8"?>
 <pc:chgInfo xmlns:a="http://schemas.openxmlformats.org/drawingml/2006/main" xmlns:r="http://schemas.openxmlformats.org/officeDocument/2006/relationships" xmlns:ac="http://schemas.microsoft.com/office/drawing/2013/main/command" xmlns:pc="http://schemas.microsoft.com/office/powerpoint/2013/main/command">
+  <pc:docChgLst>
+    <pc:chgData name="Ditte Filskov Theilgaard" userId="150196ba-3d64-4ece-aa51-395739ba31e6" providerId="ADAL" clId="{CFB5E454-7030-4B6E-9C57-BB9063FA31C0}"/>
+    <pc:docChg chg="custSel addSld delSld modSld">
+      <pc:chgData name="Ditte Filskov Theilgaard" userId="150196ba-3d64-4ece-aa51-395739ba31e6" providerId="ADAL" clId="{CFB5E454-7030-4B6E-9C57-BB9063FA31C0}" dt="2025-01-15T14:47:38.817" v="32" actId="14100"/>
+      <pc:docMkLst>
+        <pc:docMk/>
+      </pc:docMkLst>
+      <pc:sldChg chg="addSp modSp">
+        <pc:chgData name="Ditte Filskov Theilgaard" userId="150196ba-3d64-4ece-aa51-395739ba31e6" providerId="ADAL" clId="{CFB5E454-7030-4B6E-9C57-BB9063FA31C0}" dt="2025-01-15T11:43:34.801" v="0"/>
+        <pc:sldMkLst>
+          <pc:docMk/>
+          <pc:sldMk cId="4277779196" sldId="257"/>
+        </pc:sldMkLst>
+        <pc:picChg chg="add mod">
+          <ac:chgData name="Ditte Filskov Theilgaard" userId="150196ba-3d64-4ece-aa51-395739ba31e6" providerId="ADAL" clId="{CFB5E454-7030-4B6E-9C57-BB9063FA31C0}" dt="2025-01-15T11:43:34.801" v="0"/>
+          <ac:picMkLst>
+            <pc:docMk/>
+            <pc:sldMk cId="4277779196" sldId="257"/>
+            <ac:picMk id="4" creationId="{81E31031-9BFD-3700-DEB8-AD21406D1FCB}"/>
+          </ac:picMkLst>
+        </pc:picChg>
+      </pc:sldChg>
+      <pc:sldChg chg="addSp modSp mod">
+        <pc:chgData name="Ditte Filskov Theilgaard" userId="150196ba-3d64-4ece-aa51-395739ba31e6" providerId="ADAL" clId="{CFB5E454-7030-4B6E-9C57-BB9063FA31C0}" dt="2025-01-15T11:56:23.516" v="24" actId="14100"/>
+        <pc:sldMkLst>
+          <pc:docMk/>
+          <pc:sldMk cId="3090321837" sldId="262"/>
+        </pc:sldMkLst>
+        <pc:picChg chg="add mod modCrop">
+          <ac:chgData name="Ditte Filskov Theilgaard" userId="150196ba-3d64-4ece-aa51-395739ba31e6" providerId="ADAL" clId="{CFB5E454-7030-4B6E-9C57-BB9063FA31C0}" dt="2025-01-15T11:56:23.516" v="24" actId="14100"/>
+          <ac:picMkLst>
+            <pc:docMk/>
+            <pc:sldMk cId="3090321837" sldId="262"/>
+            <ac:picMk id="2" creationId="{A2862C67-FB24-06E2-2851-B341CDB8947C}"/>
+          </ac:picMkLst>
+        </pc:picChg>
+        <pc:picChg chg="mod">
+          <ac:chgData name="Ditte Filskov Theilgaard" userId="150196ba-3d64-4ece-aa51-395739ba31e6" providerId="ADAL" clId="{CFB5E454-7030-4B6E-9C57-BB9063FA31C0}" dt="2025-01-15T11:56:15.885" v="21" actId="14100"/>
+          <ac:picMkLst>
+            <pc:docMk/>
+            <pc:sldMk cId="3090321837" sldId="262"/>
+            <ac:picMk id="3" creationId="{3B24F0AF-3241-49BE-E280-0404EDA1D629}"/>
+          </ac:picMkLst>
+        </pc:picChg>
+      </pc:sldChg>
+      <pc:sldChg chg="addSp delSp modSp del mod">
+        <pc:chgData name="Ditte Filskov Theilgaard" userId="150196ba-3d64-4ece-aa51-395739ba31e6" providerId="ADAL" clId="{CFB5E454-7030-4B6E-9C57-BB9063FA31C0}" dt="2025-01-15T11:56:31.093" v="25" actId="47"/>
+        <pc:sldMkLst>
+          <pc:docMk/>
+          <pc:sldMk cId="2145908599" sldId="263"/>
+        </pc:sldMkLst>
+        <pc:picChg chg="del mod">
+          <ac:chgData name="Ditte Filskov Theilgaard" userId="150196ba-3d64-4ece-aa51-395739ba31e6" providerId="ADAL" clId="{CFB5E454-7030-4B6E-9C57-BB9063FA31C0}" dt="2025-01-15T11:55:51.938" v="15" actId="21"/>
+          <ac:picMkLst>
+            <pc:docMk/>
+            <pc:sldMk cId="2145908599" sldId="263"/>
+            <ac:picMk id="3" creationId="{A2862C67-FB24-06E2-2851-B341CDB8947C}"/>
+          </ac:picMkLst>
+        </pc:picChg>
+        <pc:picChg chg="add del mod">
+          <ac:chgData name="Ditte Filskov Theilgaard" userId="150196ba-3d64-4ece-aa51-395739ba31e6" providerId="ADAL" clId="{CFB5E454-7030-4B6E-9C57-BB9063FA31C0}" dt="2025-01-15T11:54:38.954" v="6" actId="21"/>
+          <ac:picMkLst>
+            <pc:docMk/>
+            <pc:sldMk cId="2145908599" sldId="263"/>
+            <ac:picMk id="4" creationId="{B15EA2A0-D459-3954-1C02-D7A651EAFC19}"/>
+          </ac:picMkLst>
+        </pc:picChg>
+      </pc:sldChg>
+      <pc:sldChg chg="addSp delSp modSp mod">
+        <pc:chgData name="Ditte Filskov Theilgaard" userId="150196ba-3d64-4ece-aa51-395739ba31e6" providerId="ADAL" clId="{CFB5E454-7030-4B6E-9C57-BB9063FA31C0}" dt="2025-01-15T14:47:38.817" v="32" actId="14100"/>
+        <pc:sldMkLst>
+          <pc:docMk/>
+          <pc:sldMk cId="3371933453" sldId="266"/>
+        </pc:sldMkLst>
+        <pc:picChg chg="del">
+          <ac:chgData name="Ditte Filskov Theilgaard" userId="150196ba-3d64-4ece-aa51-395739ba31e6" providerId="ADAL" clId="{CFB5E454-7030-4B6E-9C57-BB9063FA31C0}" dt="2025-01-15T14:47:29.972" v="27" actId="478"/>
+          <ac:picMkLst>
+            <pc:docMk/>
+            <pc:sldMk cId="3371933453" sldId="266"/>
+            <ac:picMk id="5" creationId="{F6A59056-0EF7-D283-297B-8007C7B874C0}"/>
+          </ac:picMkLst>
+        </pc:picChg>
+        <pc:picChg chg="add mod">
+          <ac:chgData name="Ditte Filskov Theilgaard" userId="150196ba-3d64-4ece-aa51-395739ba31e6" providerId="ADAL" clId="{CFB5E454-7030-4B6E-9C57-BB9063FA31C0}" dt="2025-01-15T14:47:38.817" v="32" actId="14100"/>
+          <ac:picMkLst>
+            <pc:docMk/>
+            <pc:sldMk cId="3371933453" sldId="266"/>
+            <ac:picMk id="6" creationId="{D0FBF7C3-50BC-6294-31F1-AF159ECE6B94}"/>
+          </ac:picMkLst>
+        </pc:picChg>
+      </pc:sldChg>
+      <pc:sldChg chg="addSp delSp modSp new mod">
+        <pc:chgData name="Ditte Filskov Theilgaard" userId="150196ba-3d64-4ece-aa51-395739ba31e6" providerId="ADAL" clId="{CFB5E454-7030-4B6E-9C57-BB9063FA31C0}" dt="2025-01-15T11:56:50.173" v="26" actId="14100"/>
+        <pc:sldMkLst>
+          <pc:docMk/>
+          <pc:sldMk cId="1065873994" sldId="269"/>
+        </pc:sldMkLst>
+        <pc:picChg chg="add mod">
+          <ac:chgData name="Ditte Filskov Theilgaard" userId="150196ba-3d64-4ece-aa51-395739ba31e6" providerId="ADAL" clId="{CFB5E454-7030-4B6E-9C57-BB9063FA31C0}" dt="2025-01-15T11:56:50.173" v="26" actId="14100"/>
+          <ac:picMkLst>
+            <pc:docMk/>
+            <pc:sldMk cId="1065873994" sldId="269"/>
+            <ac:picMk id="3" creationId="{88331B84-915F-B219-3662-5D760D4BD874}"/>
+          </ac:picMkLst>
+        </pc:picChg>
+        <pc:picChg chg="add del mod">
+          <ac:chgData name="Ditte Filskov Theilgaard" userId="150196ba-3d64-4ece-aa51-395739ba31e6" providerId="ADAL" clId="{CFB5E454-7030-4B6E-9C57-BB9063FA31C0}" dt="2025-01-15T11:55:38.026" v="10" actId="478"/>
+          <ac:picMkLst>
+            <pc:docMk/>
+            <pc:sldMk cId="1065873994" sldId="269"/>
+            <ac:picMk id="4" creationId="{B15EA2A0-D459-3954-1C02-D7A651EAFC19}"/>
+          </ac:picMkLst>
+        </pc:picChg>
+      </pc:sldChg>
+    </pc:docChg>
+  </pc:docChgLst>
   <pc:docChgLst>
     <pc:chgData name="Ditte Filskov Theilgaard" userId="150196ba-3d64-4ece-aa51-395739ba31e6" providerId="ADAL" clId="{1860B711-B131-447A-9C00-1C62746EE035}"/>
     <pc:docChg chg="undo custSel addSld delSld modSld sldOrd">
@@ -256,30 +372,6 @@
             <ac:spMk id="2" creationId="{D1EEA8C6-6E49-6A79-0C96-3A3807E3DB4B}"/>
           </ac:spMkLst>
         </pc:spChg>
-        <pc:spChg chg="del">
-          <ac:chgData name="Ditte Filskov Theilgaard" userId="150196ba-3d64-4ece-aa51-395739ba31e6" providerId="ADAL" clId="{1860B711-B131-447A-9C00-1C62746EE035}" dt="2024-12-27T08:38:40.257" v="202" actId="478"/>
-          <ac:spMkLst>
-            <pc:docMk/>
-            <pc:sldMk cId="1710886481" sldId="259"/>
-            <ac:spMk id="3" creationId="{78E9B241-51EA-5E65-5AA7-8194282F749C}"/>
-          </ac:spMkLst>
-        </pc:spChg>
-        <pc:spChg chg="add del mod ord">
-          <ac:chgData name="Ditte Filskov Theilgaard" userId="150196ba-3d64-4ece-aa51-395739ba31e6" providerId="ADAL" clId="{1860B711-B131-447A-9C00-1C62746EE035}" dt="2024-12-27T08:52:46.893" v="245" actId="478"/>
-          <ac:spMkLst>
-            <pc:docMk/>
-            <pc:sldMk cId="1710886481" sldId="259"/>
-            <ac:spMk id="6" creationId="{C49C95CB-0E74-DCAB-C032-D21171A8F7AE}"/>
-          </ac:spMkLst>
-        </pc:spChg>
-        <pc:picChg chg="add del mod">
-          <ac:chgData name="Ditte Filskov Theilgaard" userId="150196ba-3d64-4ece-aa51-395739ba31e6" providerId="ADAL" clId="{1860B711-B131-447A-9C00-1C62746EE035}" dt="2024-12-27T08:39:13.873" v="215" actId="478"/>
-          <ac:picMkLst>
-            <pc:docMk/>
-            <pc:sldMk cId="1710886481" sldId="259"/>
-            <ac:picMk id="5" creationId="{FA234E12-0E9A-CFFE-9FA4-06AF40F9D861}"/>
-          </ac:picMkLst>
-        </pc:picChg>
         <pc:picChg chg="add mod modCrop">
           <ac:chgData name="Ditte Filskov Theilgaard" userId="150196ba-3d64-4ece-aa51-395739ba31e6" providerId="ADAL" clId="{1860B711-B131-447A-9C00-1C62746EE035}" dt="2024-12-27T08:53:03.869" v="251" actId="1076"/>
           <ac:picMkLst>
@@ -346,14 +438,6 @@
           <pc:docMk/>
           <pc:sldMk cId="2145908599" sldId="263"/>
         </pc:sldMkLst>
-        <pc:picChg chg="add mod">
-          <ac:chgData name="Ditte Filskov Theilgaard" userId="150196ba-3d64-4ece-aa51-395739ba31e6" providerId="ADAL" clId="{1860B711-B131-447A-9C00-1C62746EE035}" dt="2024-12-27T08:55:09.462" v="260" actId="1076"/>
-          <ac:picMkLst>
-            <pc:docMk/>
-            <pc:sldMk cId="2145908599" sldId="263"/>
-            <ac:picMk id="3" creationId="{A2862C67-FB24-06E2-2851-B341CDB8947C}"/>
-          </ac:picMkLst>
-        </pc:picChg>
       </pc:sldChg>
       <pc:sldChg chg="del">
         <pc:chgData name="Ditte Filskov Theilgaard" userId="150196ba-3d64-4ece-aa51-395739ba31e6" providerId="ADAL" clId="{1860B711-B131-447A-9C00-1C62746EE035}" dt="2024-12-27T08:25:59.798" v="10" actId="47"/>
@@ -421,14 +505,6 @@
             <ac:picMk id="3" creationId="{51222FC5-2AEE-0352-D720-607BA42EC054}"/>
           </ac:picMkLst>
         </pc:picChg>
-        <pc:picChg chg="add mod">
-          <ac:chgData name="Ditte Filskov Theilgaard" userId="150196ba-3d64-4ece-aa51-395739ba31e6" providerId="ADAL" clId="{1860B711-B131-447A-9C00-1C62746EE035}" dt="2024-12-27T09:30:05.114" v="333" actId="1076"/>
-          <ac:picMkLst>
-            <pc:docMk/>
-            <pc:sldMk cId="3371933453" sldId="266"/>
-            <ac:picMk id="5" creationId="{F6A59056-0EF7-D283-297B-8007C7B874C0}"/>
-          </ac:picMkLst>
-        </pc:picChg>
       </pc:sldChg>
       <pc:sldChg chg="del">
         <pc:chgData name="Ditte Filskov Theilgaard" userId="150196ba-3d64-4ece-aa51-395739ba31e6" providerId="ADAL" clId="{1860B711-B131-447A-9C00-1C62746EE035}" dt="2024-12-27T08:25:57.878" v="2" actId="47"/>
@@ -449,14 +525,6 @@
             <pc:docMk/>
             <pc:sldMk cId="4124948129" sldId="267"/>
             <ac:spMk id="2" creationId="{F9D7BD12-549D-C0FF-E28F-F395986E595A}"/>
-          </ac:spMkLst>
-        </pc:spChg>
-        <pc:spChg chg="del">
-          <ac:chgData name="Ditte Filskov Theilgaard" userId="150196ba-3d64-4ece-aa51-395739ba31e6" providerId="ADAL" clId="{1860B711-B131-447A-9C00-1C62746EE035}" dt="2024-12-27T09:25:04.548" v="321" actId="478"/>
-          <ac:spMkLst>
-            <pc:docMk/>
-            <pc:sldMk cId="4124948129" sldId="267"/>
-            <ac:spMk id="3" creationId="{D25B932A-06F2-1F00-BECD-6D2AFEACE24D}"/>
           </ac:spMkLst>
         </pc:spChg>
         <pc:picChg chg="add mod">
@@ -584,7 +652,7 @@
           <a:p>
             <a:fld id="{237DF243-990D-452E-B2F0-0A24C40DD102}" type="datetimeFigureOut">
               <a:rPr lang="en-US" smtClean="0"/>
-              <a:t>12/27/2024</a:t>
+              <a:t>1/15/2025</a:t>
             </a:fld>
             <a:endParaRPr lang="en-US"/>
           </a:p>
@@ -996,9 +1064,9 @@
           <a:bodyPr/>
           <a:lstStyle/>
           <a:p>
-            <a:fld id="{9CB904D7-2B70-4964-9B23-4E5B349F082D}" type="datetimeFigureOut">
+            <a:fld id="{62B495E4-D56E-4A7A-8D77-39F5D1F773BA}" type="datetime1">
               <a:rPr lang="en-US" smtClean="0"/>
-              <a:t>12/27/2024</a:t>
+              <a:t>1/15/2025</a:t>
             </a:fld>
             <a:endParaRPr lang="en-US"/>
           </a:p>
@@ -1201,9 +1269,9 @@
           <a:bodyPr/>
           <a:lstStyle/>
           <a:p>
-            <a:fld id="{9CB904D7-2B70-4964-9B23-4E5B349F082D}" type="datetimeFigureOut">
+            <a:fld id="{AA5FC94B-025B-43CE-8420-82C0BA63AC2A}" type="datetime1">
               <a:rPr lang="en-US" smtClean="0"/>
-              <a:t>12/27/2024</a:t>
+              <a:t>1/15/2025</a:t>
             </a:fld>
             <a:endParaRPr lang="en-US"/>
           </a:p>
@@ -1476,9 +1544,9 @@
           <a:bodyPr/>
           <a:lstStyle/>
           <a:p>
-            <a:fld id="{9CB904D7-2B70-4964-9B23-4E5B349F082D}" type="datetimeFigureOut">
+            <a:fld id="{F1C8F68A-425A-4173-819F-B5123CA8DA96}" type="datetime1">
               <a:rPr lang="en-US" smtClean="0"/>
-              <a:t>12/27/2024</a:t>
+              <a:t>1/15/2025</a:t>
             </a:fld>
             <a:endParaRPr lang="en-US"/>
           </a:p>
@@ -1741,9 +1809,9 @@
           <a:bodyPr/>
           <a:lstStyle/>
           <a:p>
-            <a:fld id="{9CB904D7-2B70-4964-9B23-4E5B349F082D}" type="datetimeFigureOut">
+            <a:fld id="{765EF3DB-EE13-4674-8AD9-651EC663C0FA}" type="datetime1">
               <a:rPr lang="en-US" smtClean="0"/>
-              <a:t>12/27/2024</a:t>
+              <a:t>1/15/2025</a:t>
             </a:fld>
             <a:endParaRPr lang="en-US"/>
           </a:p>
@@ -2153,9 +2221,9 @@
           <a:bodyPr/>
           <a:lstStyle/>
           <a:p>
-            <a:fld id="{9CB904D7-2B70-4964-9B23-4E5B349F082D}" type="datetimeFigureOut">
+            <a:fld id="{D549AC7E-E511-4D61-AE85-39B89A27270C}" type="datetime1">
               <a:rPr lang="en-US" smtClean="0"/>
-              <a:t>12/27/2024</a:t>
+              <a:t>1/15/2025</a:t>
             </a:fld>
             <a:endParaRPr lang="en-US"/>
           </a:p>
@@ -2294,9 +2362,9 @@
           <a:bodyPr/>
           <a:lstStyle/>
           <a:p>
-            <a:fld id="{9CB904D7-2B70-4964-9B23-4E5B349F082D}" type="datetimeFigureOut">
+            <a:fld id="{481DC326-FDBF-40DF-9A9F-D03DDACDDEDF}" type="datetime1">
               <a:rPr lang="en-US" smtClean="0"/>
-              <a:t>12/27/2024</a:t>
+              <a:t>1/15/2025</a:t>
             </a:fld>
             <a:endParaRPr lang="en-US"/>
           </a:p>
@@ -2407,9 +2475,9 @@
           <a:bodyPr/>
           <a:lstStyle/>
           <a:p>
-            <a:fld id="{9CB904D7-2B70-4964-9B23-4E5B349F082D}" type="datetimeFigureOut">
+            <a:fld id="{3DA5BD6B-7800-4267-8B11-8B85A9B5F11B}" type="datetime1">
               <a:rPr lang="en-US" smtClean="0"/>
-              <a:t>12/27/2024</a:t>
+              <a:t>1/15/2025</a:t>
             </a:fld>
             <a:endParaRPr lang="en-US"/>
           </a:p>
@@ -2648,9 +2716,9 @@
             </a:lvl1pPr>
           </a:lstStyle>
           <a:p>
-            <a:fld id="{9CB904D7-2B70-4964-9B23-4E5B349F082D}" type="datetimeFigureOut">
+            <a:fld id="{B453ABD0-67E4-4A99-AED0-1D7965375151}" type="datetime1">
               <a:rPr lang="en-US" smtClean="0"/>
-              <a:t>12/27/2024</a:t>
+              <a:t>1/15/2025</a:t>
             </a:fld>
             <a:endParaRPr lang="en-US"/>
           </a:p>
@@ -2763,6 +2831,7 @@
     <p:sldLayoutId id="2147483654" r:id="rId6"/>
     <p:sldLayoutId id="2147483655" r:id="rId7"/>
   </p:sldLayoutIdLst>
+  <p:hf hdr="0" ftr="0" dt="0"/>
   <p:txStyles>
     <p:titleStyle>
       <a:lvl1pPr algn="l" defTabSz="914400" rtl="0" eaLnBrk="1" latinLnBrk="0" hangingPunct="1">
@@ -3410,6 +3479,35 @@
           </a:p>
         </p:txBody>
       </p:sp>
+      <p:sp>
+        <p:nvSpPr>
+          <p:cNvPr id="4" name="Slide Number Placeholder 3">
+            <a:extLst>
+              <a:ext uri="{FF2B5EF4-FFF2-40B4-BE49-F238E27FC236}">
+                <a16:creationId xmlns:a16="http://schemas.microsoft.com/office/drawing/2014/main" id="{FFF903D8-B3B8-EE56-5AB1-245B8CA90661}"/>
+              </a:ext>
+            </a:extLst>
+          </p:cNvPr>
+          <p:cNvSpPr>
+            <a:spLocks noGrp="1"/>
+          </p:cNvSpPr>
+          <p:nvPr>
+            <p:ph type="sldNum" sz="quarter" idx="12"/>
+          </p:nvPr>
+        </p:nvSpPr>
+        <p:spPr/>
+        <p:txBody>
+          <a:bodyPr/>
+          <a:lstStyle/>
+          <a:p>
+            <a:fld id="{4B04BC67-DFA6-4863-89DB-B4077B3FACAF}" type="slidenum">
+              <a:rPr lang="en-US" smtClean="0"/>
+              <a:t>1</a:t>
+            </a:fld>
+            <a:endParaRPr lang="en-US"/>
+          </a:p>
+        </p:txBody>
+      </p:sp>
     </p:spTree>
     <p:extLst>
       <p:ext uri="{BB962C8B-B14F-4D97-AF65-F5344CB8AC3E}">
@@ -3519,6 +3617,35 @@
           </a:prstGeom>
         </p:spPr>
       </p:pic>
+      <p:sp>
+        <p:nvSpPr>
+          <p:cNvPr id="3" name="Slide Number Placeholder 2">
+            <a:extLst>
+              <a:ext uri="{FF2B5EF4-FFF2-40B4-BE49-F238E27FC236}">
+                <a16:creationId xmlns:a16="http://schemas.microsoft.com/office/drawing/2014/main" id="{A84FFE10-4DC0-07A8-227B-4C48CF8A18EB}"/>
+              </a:ext>
+            </a:extLst>
+          </p:cNvPr>
+          <p:cNvSpPr>
+            <a:spLocks noGrp="1"/>
+          </p:cNvSpPr>
+          <p:nvPr>
+            <p:ph type="sldNum" sz="quarter" idx="12"/>
+          </p:nvPr>
+        </p:nvSpPr>
+        <p:spPr/>
+        <p:txBody>
+          <a:bodyPr/>
+          <a:lstStyle/>
+          <a:p>
+            <a:fld id="{4B04BC67-DFA6-4863-89DB-B4077B3FACAF}" type="slidenum">
+              <a:rPr lang="en-US" smtClean="0"/>
+              <a:t>10</a:t>
+            </a:fld>
+            <a:endParaRPr lang="en-US"/>
+          </a:p>
+        </p:txBody>
+      </p:sp>
     </p:spTree>
     <p:extLst>
       <p:ext uri="{BB962C8B-B14F-4D97-AF65-F5344CB8AC3E}">
@@ -3579,6 +3706,35 @@
           </a:prstGeom>
         </p:spPr>
       </p:pic>
+      <p:sp>
+        <p:nvSpPr>
+          <p:cNvPr id="2" name="Slide Number Placeholder 1">
+            <a:extLst>
+              <a:ext uri="{FF2B5EF4-FFF2-40B4-BE49-F238E27FC236}">
+                <a16:creationId xmlns:a16="http://schemas.microsoft.com/office/drawing/2014/main" id="{DF30B8B8-C8C2-FBE0-6CE6-29512FC750E8}"/>
+              </a:ext>
+            </a:extLst>
+          </p:cNvPr>
+          <p:cNvSpPr>
+            <a:spLocks noGrp="1"/>
+          </p:cNvSpPr>
+          <p:nvPr>
+            <p:ph type="sldNum" sz="quarter" idx="12"/>
+          </p:nvPr>
+        </p:nvSpPr>
+        <p:spPr/>
+        <p:txBody>
+          <a:bodyPr/>
+          <a:lstStyle/>
+          <a:p>
+            <a:fld id="{4B04BC67-DFA6-4863-89DB-B4077B3FACAF}" type="slidenum">
+              <a:rPr lang="en-US" smtClean="0"/>
+              <a:t>11</a:t>
+            </a:fld>
+            <a:endParaRPr lang="en-US"/>
+          </a:p>
+        </p:txBody>
+      </p:sp>
     </p:spTree>
     <p:extLst>
       <p:ext uri="{BB962C8B-B14F-4D97-AF65-F5344CB8AC3E}">
@@ -3638,12 +3794,41 @@
           </a:prstGeom>
         </p:spPr>
       </p:pic>
+      <p:sp>
+        <p:nvSpPr>
+          <p:cNvPr id="2" name="Slide Number Placeholder 1">
+            <a:extLst>
+              <a:ext uri="{FF2B5EF4-FFF2-40B4-BE49-F238E27FC236}">
+                <a16:creationId xmlns:a16="http://schemas.microsoft.com/office/drawing/2014/main" id="{5706B4FB-2049-74D8-2CF9-E3B17874A3A9}"/>
+              </a:ext>
+            </a:extLst>
+          </p:cNvPr>
+          <p:cNvSpPr>
+            <a:spLocks noGrp="1"/>
+          </p:cNvSpPr>
+          <p:nvPr>
+            <p:ph type="sldNum" sz="quarter" idx="12"/>
+          </p:nvPr>
+        </p:nvSpPr>
+        <p:spPr/>
+        <p:txBody>
+          <a:bodyPr/>
+          <a:lstStyle/>
+          <a:p>
+            <a:fld id="{4B04BC67-DFA6-4863-89DB-B4077B3FACAF}" type="slidenum">
+              <a:rPr lang="en-US" smtClean="0"/>
+              <a:t>12</a:t>
+            </a:fld>
+            <a:endParaRPr lang="en-US"/>
+          </a:p>
+        </p:txBody>
+      </p:sp>
       <p:pic>
         <p:nvPicPr>
-          <p:cNvPr id="5" name="Picture 4">
-            <a:extLst>
-              <a:ext uri="{FF2B5EF4-FFF2-40B4-BE49-F238E27FC236}">
-                <a16:creationId xmlns:a16="http://schemas.microsoft.com/office/drawing/2014/main" id="{F6A59056-0EF7-D283-297B-8007C7B874C0}"/>
+          <p:cNvPr id="6" name="Picture 5">
+            <a:extLst>
+              <a:ext uri="{FF2B5EF4-FFF2-40B4-BE49-F238E27FC236}">
+                <a16:creationId xmlns:a16="http://schemas.microsoft.com/office/drawing/2014/main" id="{D0FBF7C3-50BC-6294-31F1-AF159ECE6B94}"/>
               </a:ext>
             </a:extLst>
           </p:cNvPr>
@@ -3660,8 +3845,8 @@
         </p:blipFill>
         <p:spPr>
           <a:xfrm>
-            <a:off x="8129365" y="332107"/>
-            <a:ext cx="3939912" cy="2766694"/>
+            <a:off x="7795782" y="-1"/>
+            <a:ext cx="4295319" cy="2213479"/>
           </a:xfrm>
           <a:prstGeom prst="rect">
             <a:avLst/>
@@ -3784,6 +3969,65 @@
           </a:p>
         </p:txBody>
       </p:sp>
+      <p:pic>
+        <p:nvPicPr>
+          <p:cNvPr id="4" name="Picture 3">
+            <a:extLst>
+              <a:ext uri="{FF2B5EF4-FFF2-40B4-BE49-F238E27FC236}">
+                <a16:creationId xmlns:a16="http://schemas.microsoft.com/office/drawing/2014/main" id="{81E31031-9BFD-3700-DEB8-AD21406D1FCB}"/>
+              </a:ext>
+            </a:extLst>
+          </p:cNvPr>
+          <p:cNvPicPr>
+            <a:picLocks noChangeAspect="1"/>
+          </p:cNvPicPr>
+          <p:nvPr/>
+        </p:nvPicPr>
+        <p:blipFill>
+          <a:blip r:embed="rId2"/>
+          <a:stretch>
+            <a:fillRect/>
+          </a:stretch>
+        </p:blipFill>
+        <p:spPr>
+          <a:xfrm>
+            <a:off x="0" y="5423338"/>
+            <a:ext cx="12192000" cy="1434662"/>
+          </a:xfrm>
+          <a:prstGeom prst="rect">
+            <a:avLst/>
+          </a:prstGeom>
+        </p:spPr>
+      </p:pic>
+      <p:sp>
+        <p:nvSpPr>
+          <p:cNvPr id="5" name="Slide Number Placeholder 4">
+            <a:extLst>
+              <a:ext uri="{FF2B5EF4-FFF2-40B4-BE49-F238E27FC236}">
+                <a16:creationId xmlns:a16="http://schemas.microsoft.com/office/drawing/2014/main" id="{69AD6D66-7FC8-2AAD-AD2E-1A8555CC7A09}"/>
+              </a:ext>
+            </a:extLst>
+          </p:cNvPr>
+          <p:cNvSpPr>
+            <a:spLocks noGrp="1"/>
+          </p:cNvSpPr>
+          <p:nvPr>
+            <p:ph type="sldNum" sz="quarter" idx="12"/>
+          </p:nvPr>
+        </p:nvSpPr>
+        <p:spPr/>
+        <p:txBody>
+          <a:bodyPr/>
+          <a:lstStyle/>
+          <a:p>
+            <a:fld id="{4B04BC67-DFA6-4863-89DB-B4077B3FACAF}" type="slidenum">
+              <a:rPr lang="en-US" smtClean="0"/>
+              <a:t>2</a:t>
+            </a:fld>
+            <a:endParaRPr lang="en-US"/>
+          </a:p>
+        </p:txBody>
+      </p:sp>
     </p:spTree>
     <p:extLst>
       <p:ext uri="{BB962C8B-B14F-4D97-AF65-F5344CB8AC3E}">
@@ -3872,6 +4116,35 @@
           </a:prstGeom>
         </p:spPr>
       </p:pic>
+      <p:sp>
+        <p:nvSpPr>
+          <p:cNvPr id="3" name="Slide Number Placeholder 2">
+            <a:extLst>
+              <a:ext uri="{FF2B5EF4-FFF2-40B4-BE49-F238E27FC236}">
+                <a16:creationId xmlns:a16="http://schemas.microsoft.com/office/drawing/2014/main" id="{D81EE9F6-FD55-FA74-8557-B39A26776F56}"/>
+              </a:ext>
+            </a:extLst>
+          </p:cNvPr>
+          <p:cNvSpPr>
+            <a:spLocks noGrp="1"/>
+          </p:cNvSpPr>
+          <p:nvPr>
+            <p:ph type="sldNum" sz="quarter" idx="12"/>
+          </p:nvPr>
+        </p:nvSpPr>
+        <p:spPr/>
+        <p:txBody>
+          <a:bodyPr/>
+          <a:lstStyle/>
+          <a:p>
+            <a:fld id="{4B04BC67-DFA6-4863-89DB-B4077B3FACAF}" type="slidenum">
+              <a:rPr lang="en-US" smtClean="0"/>
+              <a:t>3</a:t>
+            </a:fld>
+            <a:endParaRPr lang="en-US"/>
+          </a:p>
+        </p:txBody>
+      </p:sp>
     </p:spTree>
     <p:extLst>
       <p:ext uri="{BB962C8B-B14F-4D97-AF65-F5344CB8AC3E}">
@@ -4090,6 +4363,35 @@
           </a:prstGeom>
         </p:spPr>
       </p:pic>
+      <p:sp>
+        <p:nvSpPr>
+          <p:cNvPr id="3" name="Slide Number Placeholder 2">
+            <a:extLst>
+              <a:ext uri="{FF2B5EF4-FFF2-40B4-BE49-F238E27FC236}">
+                <a16:creationId xmlns:a16="http://schemas.microsoft.com/office/drawing/2014/main" id="{F3800EC5-A94B-ED84-C93F-4341FCC2BA5D}"/>
+              </a:ext>
+            </a:extLst>
+          </p:cNvPr>
+          <p:cNvSpPr>
+            <a:spLocks noGrp="1"/>
+          </p:cNvSpPr>
+          <p:nvPr>
+            <p:ph type="sldNum" sz="quarter" idx="12"/>
+          </p:nvPr>
+        </p:nvSpPr>
+        <p:spPr/>
+        <p:txBody>
+          <a:bodyPr/>
+          <a:lstStyle/>
+          <a:p>
+            <a:fld id="{4B04BC67-DFA6-4863-89DB-B4077B3FACAF}" type="slidenum">
+              <a:rPr lang="en-US" smtClean="0"/>
+              <a:t>4</a:t>
+            </a:fld>
+            <a:endParaRPr lang="en-US"/>
+          </a:p>
+        </p:txBody>
+      </p:sp>
     </p:spTree>
     <p:extLst>
       <p:ext uri="{BB962C8B-B14F-4D97-AF65-F5344CB8AC3E}">
@@ -4181,6 +4483,35 @@
           </a:prstGeom>
         </p:spPr>
       </p:pic>
+      <p:sp>
+        <p:nvSpPr>
+          <p:cNvPr id="3" name="Slide Number Placeholder 2">
+            <a:extLst>
+              <a:ext uri="{FF2B5EF4-FFF2-40B4-BE49-F238E27FC236}">
+                <a16:creationId xmlns:a16="http://schemas.microsoft.com/office/drawing/2014/main" id="{D1150FB5-46B2-F17E-9743-3FB34EC51B5D}"/>
+              </a:ext>
+            </a:extLst>
+          </p:cNvPr>
+          <p:cNvSpPr>
+            <a:spLocks noGrp="1"/>
+          </p:cNvSpPr>
+          <p:nvPr>
+            <p:ph type="sldNum" sz="quarter" idx="12"/>
+          </p:nvPr>
+        </p:nvSpPr>
+        <p:spPr/>
+        <p:txBody>
+          <a:bodyPr/>
+          <a:lstStyle/>
+          <a:p>
+            <a:fld id="{4B04BC67-DFA6-4863-89DB-B4077B3FACAF}" type="slidenum">
+              <a:rPr lang="en-US" smtClean="0"/>
+              <a:t>5</a:t>
+            </a:fld>
+            <a:endParaRPr lang="en-US"/>
+          </a:p>
+        </p:txBody>
+      </p:sp>
     </p:spTree>
     <p:extLst>
       <p:ext uri="{BB962C8B-B14F-4D97-AF65-F5344CB8AC3E}">
@@ -4241,6 +4572,35 @@
           </a:prstGeom>
         </p:spPr>
       </p:pic>
+      <p:sp>
+        <p:nvSpPr>
+          <p:cNvPr id="2" name="Slide Number Placeholder 1">
+            <a:extLst>
+              <a:ext uri="{FF2B5EF4-FFF2-40B4-BE49-F238E27FC236}">
+                <a16:creationId xmlns:a16="http://schemas.microsoft.com/office/drawing/2014/main" id="{29E404B6-5DAF-1FB2-CCF0-7DED014DEAD6}"/>
+              </a:ext>
+            </a:extLst>
+          </p:cNvPr>
+          <p:cNvSpPr>
+            <a:spLocks noGrp="1"/>
+          </p:cNvSpPr>
+          <p:nvPr>
+            <p:ph type="sldNum" sz="quarter" idx="12"/>
+          </p:nvPr>
+        </p:nvSpPr>
+        <p:spPr/>
+        <p:txBody>
+          <a:bodyPr/>
+          <a:lstStyle/>
+          <a:p>
+            <a:fld id="{4B04BC67-DFA6-4863-89DB-B4077B3FACAF}" type="slidenum">
+              <a:rPr lang="en-US" smtClean="0"/>
+              <a:t>6</a:t>
+            </a:fld>
+            <a:endParaRPr lang="en-US"/>
+          </a:p>
+        </p:txBody>
+      </p:sp>
     </p:spTree>
     <p:extLst>
       <p:ext uri="{BB962C8B-B14F-4D97-AF65-F5344CB8AC3E}">
@@ -4293,14 +4653,72 @@
         </p:blipFill>
         <p:spPr>
           <a:xfrm>
-            <a:off x="1166124" y="142416"/>
-            <a:ext cx="9859751" cy="6573167"/>
+            <a:off x="1166125" y="142417"/>
+            <a:ext cx="6833562" cy="4555708"/>
           </a:xfrm>
           <a:prstGeom prst="rect">
             <a:avLst/>
           </a:prstGeom>
         </p:spPr>
       </p:pic>
+      <p:pic>
+        <p:nvPicPr>
+          <p:cNvPr id="2" name="Picture 1">
+            <a:extLst>
+              <a:ext uri="{FF2B5EF4-FFF2-40B4-BE49-F238E27FC236}">
+                <a16:creationId xmlns:a16="http://schemas.microsoft.com/office/drawing/2014/main" id="{A2862C67-FB24-06E2-2851-B341CDB8947C}"/>
+              </a:ext>
+            </a:extLst>
+          </p:cNvPr>
+          <p:cNvPicPr>
+            <a:picLocks noChangeAspect="1"/>
+          </p:cNvPicPr>
+          <p:nvPr/>
+        </p:nvPicPr>
+        <p:blipFill>
+          <a:blip r:embed="rId3"/>
+          <a:srcRect b="19811"/>
+          <a:stretch/>
+        </p:blipFill>
+        <p:spPr>
+          <a:xfrm>
+            <a:off x="2466777" y="4849473"/>
+            <a:ext cx="6441762" cy="2008527"/>
+          </a:xfrm>
+          <a:prstGeom prst="rect">
+            <a:avLst/>
+          </a:prstGeom>
+        </p:spPr>
+      </p:pic>
+      <p:sp>
+        <p:nvSpPr>
+          <p:cNvPr id="4" name="Slide Number Placeholder 3">
+            <a:extLst>
+              <a:ext uri="{FF2B5EF4-FFF2-40B4-BE49-F238E27FC236}">
+                <a16:creationId xmlns:a16="http://schemas.microsoft.com/office/drawing/2014/main" id="{470924AB-0044-275A-AE2F-0CE1A9D636DD}"/>
+              </a:ext>
+            </a:extLst>
+          </p:cNvPr>
+          <p:cNvSpPr>
+            <a:spLocks noGrp="1"/>
+          </p:cNvSpPr>
+          <p:nvPr>
+            <p:ph type="sldNum" sz="quarter" idx="12"/>
+          </p:nvPr>
+        </p:nvSpPr>
+        <p:spPr/>
+        <p:txBody>
+          <a:bodyPr/>
+          <a:lstStyle/>
+          <a:p>
+            <a:fld id="{4B04BC67-DFA6-4863-89DB-B4077B3FACAF}" type="slidenum">
+              <a:rPr lang="en-US" smtClean="0"/>
+              <a:t>7</a:t>
+            </a:fld>
+            <a:endParaRPr lang="en-US"/>
+          </a:p>
+        </p:txBody>
+      </p:sp>
     </p:spTree>
     <p:extLst>
       <p:ext uri="{BB962C8B-B14F-4D97-AF65-F5344CB8AC3E}">
@@ -4336,7 +4754,7 @@
           <p:cNvPr id="3" name="Picture 2">
             <a:extLst>
               <a:ext uri="{FF2B5EF4-FFF2-40B4-BE49-F238E27FC236}">
-                <a16:creationId xmlns:a16="http://schemas.microsoft.com/office/drawing/2014/main" id="{A2862C67-FB24-06E2-2851-B341CDB8947C}"/>
+                <a16:creationId xmlns:a16="http://schemas.microsoft.com/office/drawing/2014/main" id="{88331B84-915F-B219-3662-5D760D4BD874}"/>
               </a:ext>
             </a:extLst>
           </p:cNvPr>
@@ -4353,18 +4771,47 @@
         </p:blipFill>
         <p:spPr>
           <a:xfrm>
-            <a:off x="1972619" y="1739650"/>
-            <a:ext cx="9211961" cy="3581900"/>
+            <a:off x="1167585" y="520262"/>
+            <a:ext cx="9856830" cy="6233686"/>
           </a:xfrm>
           <a:prstGeom prst="rect">
             <a:avLst/>
           </a:prstGeom>
         </p:spPr>
       </p:pic>
+      <p:sp>
+        <p:nvSpPr>
+          <p:cNvPr id="2" name="Slide Number Placeholder 1">
+            <a:extLst>
+              <a:ext uri="{FF2B5EF4-FFF2-40B4-BE49-F238E27FC236}">
+                <a16:creationId xmlns:a16="http://schemas.microsoft.com/office/drawing/2014/main" id="{F9B8F480-6AC5-1A3F-B87D-02405B992400}"/>
+              </a:ext>
+            </a:extLst>
+          </p:cNvPr>
+          <p:cNvSpPr>
+            <a:spLocks noGrp="1"/>
+          </p:cNvSpPr>
+          <p:nvPr>
+            <p:ph type="sldNum" sz="quarter" idx="12"/>
+          </p:nvPr>
+        </p:nvSpPr>
+        <p:spPr/>
+        <p:txBody>
+          <a:bodyPr/>
+          <a:lstStyle/>
+          <a:p>
+            <a:fld id="{4B04BC67-DFA6-4863-89DB-B4077B3FACAF}" type="slidenum">
+              <a:rPr lang="en-US" smtClean="0"/>
+              <a:t>8</a:t>
+            </a:fld>
+            <a:endParaRPr lang="en-US"/>
+          </a:p>
+        </p:txBody>
+      </p:sp>
     </p:spTree>
     <p:extLst>
       <p:ext uri="{BB962C8B-B14F-4D97-AF65-F5344CB8AC3E}">
-        <p14:creationId xmlns:p14="http://schemas.microsoft.com/office/powerpoint/2010/main" val="2145908599"/>
+        <p14:creationId xmlns:p14="http://schemas.microsoft.com/office/powerpoint/2010/main" val="1065873994"/>
       </p:ext>
     </p:extLst>
   </p:cSld>
@@ -4421,6 +4868,35 @@
           </a:prstGeom>
         </p:spPr>
       </p:pic>
+      <p:sp>
+        <p:nvSpPr>
+          <p:cNvPr id="2" name="Slide Number Placeholder 1">
+            <a:extLst>
+              <a:ext uri="{FF2B5EF4-FFF2-40B4-BE49-F238E27FC236}">
+                <a16:creationId xmlns:a16="http://schemas.microsoft.com/office/drawing/2014/main" id="{49F8F48E-6033-B62A-5BCC-C90829008578}"/>
+              </a:ext>
+            </a:extLst>
+          </p:cNvPr>
+          <p:cNvSpPr>
+            <a:spLocks noGrp="1"/>
+          </p:cNvSpPr>
+          <p:nvPr>
+            <p:ph type="sldNum" sz="quarter" idx="12"/>
+          </p:nvPr>
+        </p:nvSpPr>
+        <p:spPr/>
+        <p:txBody>
+          <a:bodyPr/>
+          <a:lstStyle/>
+          <a:p>
+            <a:fld id="{4B04BC67-DFA6-4863-89DB-B4077B3FACAF}" type="slidenum">
+              <a:rPr lang="en-US" smtClean="0"/>
+              <a:t>9</a:t>
+            </a:fld>
+            <a:endParaRPr lang="en-US"/>
+          </a:p>
+        </p:txBody>
+      </p:sp>
     </p:spTree>
     <p:extLst>
       <p:ext uri="{BB962C8B-B14F-4D97-AF65-F5344CB8AC3E}">
